--- a/Presentacion - Análisis.pptx
+++ b/Presentacion - Análisis.pptx
@@ -268,7 +268,7 @@
           <a:p>
             <a:fld id="{659FA18C-17F6-4A8F-B024-BD4B5624D1B3}" type="datetimeFigureOut">
               <a:rPr lang="en-US" smtClean="0"/>
-              <a:t>5/3/2025</a:t>
+              <a:t>5/6/2025</a:t>
             </a:fld>
             <a:endParaRPr lang="en-US"/>
           </a:p>
@@ -466,7 +466,7 @@
           <a:p>
             <a:fld id="{659FA18C-17F6-4A8F-B024-BD4B5624D1B3}" type="datetimeFigureOut">
               <a:rPr lang="en-US" smtClean="0"/>
-              <a:t>5/3/2025</a:t>
+              <a:t>5/6/2025</a:t>
             </a:fld>
             <a:endParaRPr lang="en-US"/>
           </a:p>
@@ -674,7 +674,7 @@
           <a:p>
             <a:fld id="{659FA18C-17F6-4A8F-B024-BD4B5624D1B3}" type="datetimeFigureOut">
               <a:rPr lang="en-US" smtClean="0"/>
-              <a:t>5/3/2025</a:t>
+              <a:t>5/6/2025</a:t>
             </a:fld>
             <a:endParaRPr lang="en-US"/>
           </a:p>
@@ -872,7 +872,7 @@
           <a:p>
             <a:fld id="{659FA18C-17F6-4A8F-B024-BD4B5624D1B3}" type="datetimeFigureOut">
               <a:rPr lang="en-US" smtClean="0"/>
-              <a:t>5/3/2025</a:t>
+              <a:t>5/6/2025</a:t>
             </a:fld>
             <a:endParaRPr lang="en-US"/>
           </a:p>
@@ -1147,7 +1147,7 @@
           <a:p>
             <a:fld id="{659FA18C-17F6-4A8F-B024-BD4B5624D1B3}" type="datetimeFigureOut">
               <a:rPr lang="en-US" smtClean="0"/>
-              <a:t>5/3/2025</a:t>
+              <a:t>5/6/2025</a:t>
             </a:fld>
             <a:endParaRPr lang="en-US"/>
           </a:p>
@@ -1412,7 +1412,7 @@
           <a:p>
             <a:fld id="{659FA18C-17F6-4A8F-B024-BD4B5624D1B3}" type="datetimeFigureOut">
               <a:rPr lang="en-US" smtClean="0"/>
-              <a:t>5/3/2025</a:t>
+              <a:t>5/6/2025</a:t>
             </a:fld>
             <a:endParaRPr lang="en-US"/>
           </a:p>
@@ -1824,7 +1824,7 @@
           <a:p>
             <a:fld id="{659FA18C-17F6-4A8F-B024-BD4B5624D1B3}" type="datetimeFigureOut">
               <a:rPr lang="en-US" smtClean="0"/>
-              <a:t>5/3/2025</a:t>
+              <a:t>5/6/2025</a:t>
             </a:fld>
             <a:endParaRPr lang="en-US"/>
           </a:p>
@@ -1965,7 +1965,7 @@
           <a:p>
             <a:fld id="{659FA18C-17F6-4A8F-B024-BD4B5624D1B3}" type="datetimeFigureOut">
               <a:rPr lang="en-US" smtClean="0"/>
-              <a:t>5/3/2025</a:t>
+              <a:t>5/6/2025</a:t>
             </a:fld>
             <a:endParaRPr lang="en-US"/>
           </a:p>
@@ -2078,7 +2078,7 @@
           <a:p>
             <a:fld id="{659FA18C-17F6-4A8F-B024-BD4B5624D1B3}" type="datetimeFigureOut">
               <a:rPr lang="en-US" smtClean="0"/>
-              <a:t>5/3/2025</a:t>
+              <a:t>5/6/2025</a:t>
             </a:fld>
             <a:endParaRPr lang="en-US"/>
           </a:p>
@@ -2389,7 +2389,7 @@
           <a:p>
             <a:fld id="{659FA18C-17F6-4A8F-B024-BD4B5624D1B3}" type="datetimeFigureOut">
               <a:rPr lang="en-US" smtClean="0"/>
-              <a:t>5/3/2025</a:t>
+              <a:t>5/6/2025</a:t>
             </a:fld>
             <a:endParaRPr lang="en-US"/>
           </a:p>
@@ -2677,7 +2677,7 @@
           <a:p>
             <a:fld id="{659FA18C-17F6-4A8F-B024-BD4B5624D1B3}" type="datetimeFigureOut">
               <a:rPr lang="en-US" smtClean="0"/>
-              <a:t>5/3/2025</a:t>
+              <a:t>5/6/2025</a:t>
             </a:fld>
             <a:endParaRPr lang="en-US"/>
           </a:p>
@@ -2918,7 +2918,7 @@
           <a:p>
             <a:fld id="{659FA18C-17F6-4A8F-B024-BD4B5624D1B3}" type="datetimeFigureOut">
               <a:rPr lang="en-US" smtClean="0"/>
-              <a:t>5/3/2025</a:t>
+              <a:t>5/6/2025</a:t>
             </a:fld>
             <a:endParaRPr lang="en-US"/>
           </a:p>
@@ -4141,13 +4141,13 @@
               <a:rPr lang="es-ES" b="1" dirty="0">
                 <a:latin typeface="Lato" panose="020F0502020204030203" pitchFamily="34" charset="0"/>
               </a:rPr>
-              <a:t>Ejecutivos inactivos: </a:t>
+              <a:t>Operaciones inactivas: </a:t>
             </a:r>
             <a:r>
               <a:rPr lang="es-ES" dirty="0">
                 <a:latin typeface="Lato" panose="020F0502020204030203" pitchFamily="34" charset="0"/>
               </a:rPr>
-              <a:t>81 de 1181 (6.86%)</a:t>
+              <a:t>81 de 1181 (6.86%) no tuvieron ventas en el Q1.</a:t>
             </a:r>
           </a:p>
           <a:p>
@@ -6488,7 +6488,7 @@
                 <a:effectLst/>
                 <a:latin typeface="Lato" panose="020F0502020204030203" pitchFamily="34" charset="0"/>
               </a:rPr>
-              <a:t> Incrementar productividad en seguros y créditos en 10% y mantener tarjetas.</a:t>
+              <a:t> Incrementar productividad en seguros 25%, créditos en 20% y mantener tarjetas.</a:t>
             </a:r>
           </a:p>
           <a:p>
@@ -6789,7 +6789,7 @@
         <p:spPr>
           <a:xfrm>
             <a:off x="206830" y="1500112"/>
-            <a:ext cx="11778340" cy="4301947"/>
+            <a:ext cx="11778340" cy="4955972"/>
           </a:xfrm>
           <a:prstGeom prst="rect">
             <a:avLst/>
@@ -6825,7 +6825,7 @@
                 <a:effectLst/>
                 <a:latin typeface="Lato" panose="020F0502020204030203" pitchFamily="34" charset="0"/>
               </a:rPr>
-              <a:t> $4,584,400 COP</a:t>
+              <a:t> $111,450,000 COP</a:t>
             </a:r>
           </a:p>
           <a:p>
@@ -6852,7 +6852,7 @@
                 <a:effectLst/>
                 <a:latin typeface="Lato" panose="020F0502020204030203" pitchFamily="34" charset="0"/>
               </a:rPr>
-              <a:t>$60,000 COP</a:t>
+              <a:t>$60,000,000 COP</a:t>
             </a:r>
           </a:p>
           <a:p>
@@ -6879,7 +6879,7 @@
                 <a:effectLst/>
                 <a:latin typeface="Lato" panose="020F0502020204030203" pitchFamily="34" charset="0"/>
               </a:rPr>
-              <a:t>$4,500,000 COP</a:t>
+              <a:t>$47,950,000 COP</a:t>
             </a:r>
           </a:p>
           <a:p>
@@ -6906,13 +6906,48 @@
                 <a:effectLst/>
                 <a:latin typeface="Lato" panose="020F0502020204030203" pitchFamily="34" charset="0"/>
               </a:rPr>
-              <a:t>$24,400 COP</a:t>
-            </a:r>
+              <a:t>$</a:t>
+            </a:r>
+            <a:r>
+              <a:rPr lang="es-ES" sz="2000" dirty="0">
+                <a:solidFill>
+                  <a:srgbClr val="333333"/>
+                </a:solidFill>
+                <a:latin typeface="Lato" panose="020F0502020204030203" pitchFamily="34" charset="0"/>
+              </a:rPr>
+              <a:t>3,500,000</a:t>
+            </a:r>
+            <a:r>
+              <a:rPr lang="es-ES" sz="2000" b="0" i="0" dirty="0">
+                <a:solidFill>
+                  <a:srgbClr val="333333"/>
+                </a:solidFill>
+                <a:effectLst/>
+                <a:latin typeface="Lato" panose="020F0502020204030203" pitchFamily="34" charset="0"/>
+              </a:rPr>
+              <a:t> COP</a:t>
+            </a:r>
+          </a:p>
+          <a:p>
+            <a:pPr marL="342900" indent="-342900" algn="l">
+              <a:lnSpc>
+                <a:spcPct val="200000"/>
+              </a:lnSpc>
+              <a:buFontTx/>
+              <a:buChar char="-"/>
+            </a:pPr>
+            <a:endParaRPr lang="es-ES" sz="2000" b="0" i="0" dirty="0">
+              <a:solidFill>
+                <a:srgbClr val="333333"/>
+              </a:solidFill>
+              <a:effectLst/>
+              <a:latin typeface="Lato" panose="020F0502020204030203" pitchFamily="34" charset="0"/>
+            </a:endParaRPr>
           </a:p>
           <a:p>
             <a:pPr algn="l">
               <a:lnSpc>
-                <a:spcPct val="200000"/>
+                <a:spcPct val="150000"/>
               </a:lnSpc>
               <a:buFont typeface="Arial" panose="020B0604020202020204" pitchFamily="34" charset="0"/>
               <a:buChar char="•"/>
@@ -6925,85 +6960,374 @@
                 <a:effectLst/>
                 <a:latin typeface="Lato" panose="020F0502020204030203" pitchFamily="34" charset="0"/>
               </a:rPr>
-              <a:t> Seguros: </a:t>
-            </a:r>
-            <a:r>
-              <a:rPr lang="es-ES" sz="2000" b="0" i="0" dirty="0">
+              <a:t> </a:t>
+            </a:r>
+            <a:r>
+              <a:rPr lang="en-US" sz="2000" b="1" i="0" dirty="0" err="1">
+                <a:solidFill>
+                  <a:srgbClr val="00B050"/>
+                </a:solidFill>
+                <a:effectLst/>
+                <a:latin typeface="Lato" panose="020F0502020204030203" pitchFamily="34" charset="0"/>
+              </a:rPr>
+              <a:t>Seguros</a:t>
+            </a:r>
+            <a:r>
+              <a:rPr lang="en-US" sz="2000" b="1" i="0" dirty="0">
+                <a:solidFill>
+                  <a:srgbClr val="00B050"/>
+                </a:solidFill>
+                <a:effectLst/>
+                <a:latin typeface="Lato" panose="020F0502020204030203" pitchFamily="34" charset="0"/>
+              </a:rPr>
+              <a:t>: </a:t>
+            </a:r>
+            <a:r>
+              <a:rPr lang="en-US" sz="2000" b="0" i="0" dirty="0">
                 <a:solidFill>
                   <a:srgbClr val="333333"/>
                 </a:solidFill>
                 <a:effectLst/>
                 <a:latin typeface="Lato" panose="020F0502020204030203" pitchFamily="34" charset="0"/>
               </a:rPr>
-              <a:t>+10.83% (75% cumplimiento, ~1,055 ventas adicionales).</a:t>
+              <a:t>+25% (de 74.9% a 99.9%, ~399 </a:t>
+            </a:r>
+            <a:r>
+              <a:rPr lang="en-US" sz="2000" b="0" i="0" dirty="0" err="1">
+                <a:solidFill>
+                  <a:srgbClr val="333333"/>
+                </a:solidFill>
+                <a:effectLst/>
+                <a:latin typeface="Lato" panose="020F0502020204030203" pitchFamily="34" charset="0"/>
+              </a:rPr>
+              <a:t>ventas</a:t>
+            </a:r>
+            <a:r>
+              <a:rPr lang="en-US" sz="2000" b="0" i="0" dirty="0">
+                <a:solidFill>
+                  <a:srgbClr val="333333"/>
+                </a:solidFill>
+                <a:effectLst/>
+                <a:latin typeface="Lato" panose="020F0502020204030203" pitchFamily="34" charset="0"/>
+              </a:rPr>
+              <a:t> </a:t>
+            </a:r>
+            <a:r>
+              <a:rPr lang="en-US" sz="2000" b="0" i="0" dirty="0" err="1">
+                <a:solidFill>
+                  <a:srgbClr val="333333"/>
+                </a:solidFill>
+                <a:effectLst/>
+                <a:latin typeface="Lato" panose="020F0502020204030203" pitchFamily="34" charset="0"/>
+              </a:rPr>
+              <a:t>adicionales</a:t>
+            </a:r>
+            <a:r>
+              <a:rPr lang="en-US" sz="2000" b="0" i="0" dirty="0">
+                <a:solidFill>
+                  <a:srgbClr val="333333"/>
+                </a:solidFill>
+                <a:effectLst/>
+                <a:latin typeface="Lato" panose="020F0502020204030203" pitchFamily="34" charset="0"/>
+              </a:rPr>
+              <a:t> </a:t>
+            </a:r>
+            <a:r>
+              <a:rPr lang="en-US" sz="2000" b="0" i="0" dirty="0" err="1">
+                <a:solidFill>
+                  <a:srgbClr val="333333"/>
+                </a:solidFill>
+                <a:effectLst/>
+                <a:latin typeface="Lato" panose="020F0502020204030203" pitchFamily="34" charset="0"/>
+              </a:rPr>
+              <a:t>ajustadas</a:t>
+            </a:r>
+            <a:r>
+              <a:rPr lang="en-US" sz="2000" b="0" i="0" dirty="0">
+                <a:solidFill>
+                  <a:srgbClr val="333333"/>
+                </a:solidFill>
+                <a:effectLst/>
+                <a:latin typeface="Lato" panose="020F0502020204030203" pitchFamily="34" charset="0"/>
+              </a:rPr>
+              <a:t>).</a:t>
             </a:r>
           </a:p>
           <a:p>
             <a:pPr algn="l">
               <a:lnSpc>
-                <a:spcPct val="200000"/>
+                <a:spcPct val="150000"/>
               </a:lnSpc>
               <a:buFont typeface="Arial" panose="020B0604020202020204" pitchFamily="34" charset="0"/>
               <a:buChar char="•"/>
             </a:pPr>
             <a:r>
-              <a:rPr lang="es-ES" sz="2000" b="0" i="0" dirty="0">
+              <a:rPr lang="en-US" sz="2000" b="1" i="0" dirty="0" err="1">
                 <a:solidFill>
                   <a:srgbClr val="00B050"/>
                 </a:solidFill>
                 <a:effectLst/>
                 <a:latin typeface="Lato" panose="020F0502020204030203" pitchFamily="34" charset="0"/>
               </a:rPr>
+              <a:t>Créditos</a:t>
+            </a:r>
+            <a:r>
+              <a:rPr lang="en-US" sz="2000" b="1" i="0" dirty="0">
+                <a:solidFill>
+                  <a:srgbClr val="00B050"/>
+                </a:solidFill>
+                <a:effectLst/>
+                <a:latin typeface="Lato" panose="020F0502020204030203" pitchFamily="34" charset="0"/>
+              </a:rPr>
+              <a:t>: </a:t>
+            </a:r>
+            <a:r>
+              <a:rPr lang="en-US" sz="2000" b="0" i="0" dirty="0">
+                <a:solidFill>
+                  <a:srgbClr val="333333"/>
+                </a:solidFill>
+                <a:effectLst/>
+                <a:latin typeface="Lato" panose="020F0502020204030203" pitchFamily="34" charset="0"/>
+              </a:rPr>
+              <a:t>+20% (de 119.7% a 143.6%, ~100 </a:t>
+            </a:r>
+            <a:r>
+              <a:rPr lang="en-US" sz="2000" b="0" i="0" dirty="0" err="1">
+                <a:solidFill>
+                  <a:srgbClr val="333333"/>
+                </a:solidFill>
+                <a:effectLst/>
+                <a:latin typeface="Lato" panose="020F0502020204030203" pitchFamily="34" charset="0"/>
+              </a:rPr>
+              <a:t>ventas</a:t>
+            </a:r>
+            <a:r>
+              <a:rPr lang="en-US" sz="2000" b="0" i="0" dirty="0">
+                <a:solidFill>
+                  <a:srgbClr val="333333"/>
+                </a:solidFill>
+                <a:effectLst/>
+                <a:latin typeface="Lato" panose="020F0502020204030203" pitchFamily="34" charset="0"/>
+              </a:rPr>
               <a:t> </a:t>
             </a:r>
             <a:r>
-              <a:rPr lang="es-ES" sz="2000" b="1" i="0" dirty="0">
-                <a:solidFill>
-                  <a:srgbClr val="00B050"/>
-                </a:solidFill>
-                <a:effectLst/>
-                <a:latin typeface="Lato" panose="020F0502020204030203" pitchFamily="34" charset="0"/>
-              </a:rPr>
-              <a:t>Créditos: </a:t>
-            </a:r>
-            <a:r>
-              <a:rPr lang="es-ES" sz="2000" b="0" i="0" dirty="0">
+              <a:rPr lang="en-US" sz="2000" b="0" i="0" dirty="0" err="1">
                 <a:solidFill>
                   <a:srgbClr val="333333"/>
                 </a:solidFill>
                 <a:effectLst/>
                 <a:latin typeface="Lato" panose="020F0502020204030203" pitchFamily="34" charset="0"/>
               </a:rPr>
-              <a:t>+9.86% (90% cumplimiento, ~372 ventas adicionales).</a:t>
+              <a:t>adicionales</a:t>
+            </a:r>
+            <a:r>
+              <a:rPr lang="en-US" sz="2000" b="0" i="0" dirty="0">
+                <a:solidFill>
+                  <a:srgbClr val="333333"/>
+                </a:solidFill>
+                <a:effectLst/>
+                <a:latin typeface="Lato" panose="020F0502020204030203" pitchFamily="34" charset="0"/>
+              </a:rPr>
+              <a:t> </a:t>
+            </a:r>
+            <a:r>
+              <a:rPr lang="en-US" sz="2000" b="0" i="0" dirty="0" err="1">
+                <a:solidFill>
+                  <a:srgbClr val="333333"/>
+                </a:solidFill>
+                <a:effectLst/>
+                <a:latin typeface="Lato" panose="020F0502020204030203" pitchFamily="34" charset="0"/>
+              </a:rPr>
+              <a:t>ajustadas</a:t>
+            </a:r>
+            <a:r>
+              <a:rPr lang="en-US" sz="2000" b="0" i="0" dirty="0">
+                <a:solidFill>
+                  <a:srgbClr val="333333"/>
+                </a:solidFill>
+                <a:effectLst/>
+                <a:latin typeface="Lato" panose="020F0502020204030203" pitchFamily="34" charset="0"/>
+              </a:rPr>
+              <a:t>).</a:t>
             </a:r>
           </a:p>
           <a:p>
             <a:pPr algn="l">
               <a:lnSpc>
-                <a:spcPct val="200000"/>
+                <a:spcPct val="150000"/>
               </a:lnSpc>
               <a:buFont typeface="Arial" panose="020B0604020202020204" pitchFamily="34" charset="0"/>
               <a:buChar char="•"/>
             </a:pPr>
             <a:r>
-              <a:rPr lang="es-ES" sz="2000" b="1" i="0" dirty="0">
+              <a:rPr lang="en-US" sz="2000" b="1" i="0" dirty="0" err="1">
                 <a:solidFill>
                   <a:srgbClr val="00B050"/>
                 </a:solidFill>
                 <a:effectLst/>
                 <a:latin typeface="Lato" panose="020F0502020204030203" pitchFamily="34" charset="0"/>
               </a:rPr>
-              <a:t> Ingresos estimados: </a:t>
-            </a:r>
-            <a:r>
-              <a:rPr lang="es-ES" sz="2000" b="0" i="0" dirty="0">
+              <a:t>Ingresos</a:t>
+            </a:r>
+            <a:r>
+              <a:rPr lang="en-US" sz="2000" b="1" i="0" dirty="0">
+                <a:solidFill>
+                  <a:srgbClr val="00B050"/>
+                </a:solidFill>
+                <a:effectLst/>
+                <a:latin typeface="Lato" panose="020F0502020204030203" pitchFamily="34" charset="0"/>
+              </a:rPr>
+              <a:t> </a:t>
+            </a:r>
+            <a:r>
+              <a:rPr lang="en-US" sz="2000" b="1" i="0" dirty="0" err="1">
+                <a:solidFill>
+                  <a:srgbClr val="00B050"/>
+                </a:solidFill>
+                <a:effectLst/>
+                <a:latin typeface="Lato" panose="020F0502020204030203" pitchFamily="34" charset="0"/>
+              </a:rPr>
+              <a:t>estimados</a:t>
+            </a:r>
+            <a:r>
+              <a:rPr lang="en-US" sz="2000" b="1" i="0" dirty="0">
+                <a:solidFill>
+                  <a:srgbClr val="00B050"/>
+                </a:solidFill>
+                <a:effectLst/>
+                <a:latin typeface="Lato" panose="020F0502020204030203" pitchFamily="34" charset="0"/>
+              </a:rPr>
+              <a:t> a 3 meses: </a:t>
+            </a:r>
+            <a:r>
+              <a:rPr lang="en-US" sz="2000" b="0" i="0" dirty="0">
                 <a:solidFill>
                   <a:srgbClr val="333333"/>
                 </a:solidFill>
                 <a:effectLst/>
                 <a:latin typeface="Lato" panose="020F0502020204030203" pitchFamily="34" charset="0"/>
               </a:rPr>
-              <a:t>$181,360 COP (ROI inicial: 5-10% a 3 meses).</a:t>
+              <a:t>$136,500,000 COP (ROI con </a:t>
+            </a:r>
+            <a:r>
+              <a:rPr lang="en-US" sz="2000" b="0" i="0" dirty="0" err="1">
+                <a:solidFill>
+                  <a:srgbClr val="333333"/>
+                </a:solidFill>
+                <a:effectLst/>
+                <a:latin typeface="Lato" panose="020F0502020204030203" pitchFamily="34" charset="0"/>
+              </a:rPr>
+              <a:t>valores</a:t>
+            </a:r>
+            <a:r>
+              <a:rPr lang="en-US" sz="2000" b="0" i="0" dirty="0">
+                <a:solidFill>
+                  <a:srgbClr val="333333"/>
+                </a:solidFill>
+                <a:effectLst/>
+                <a:latin typeface="Lato" panose="020F0502020204030203" pitchFamily="34" charset="0"/>
+              </a:rPr>
+              <a:t> </a:t>
+            </a:r>
+            <a:r>
+              <a:rPr lang="en-US" sz="2000" b="0" i="0" dirty="0" err="1">
+                <a:solidFill>
+                  <a:srgbClr val="333333"/>
+                </a:solidFill>
+                <a:effectLst/>
+                <a:latin typeface="Lato" panose="020F0502020204030203" pitchFamily="34" charset="0"/>
+              </a:rPr>
+              <a:t>ajustados</a:t>
+            </a:r>
+            <a:r>
+              <a:rPr lang="en-US" sz="2000" b="0" i="0" dirty="0">
+                <a:solidFill>
+                  <a:srgbClr val="333333"/>
+                </a:solidFill>
+                <a:effectLst/>
+                <a:latin typeface="Lato" panose="020F0502020204030203" pitchFamily="34" charset="0"/>
+              </a:rPr>
+              <a:t>: 114.8% a 3 meses).</a:t>
+            </a:r>
+          </a:p>
+          <a:p>
+            <a:pPr algn="l">
+              <a:lnSpc>
+                <a:spcPct val="150000"/>
+              </a:lnSpc>
+              <a:buFont typeface="Arial" panose="020B0604020202020204" pitchFamily="34" charset="0"/>
+              <a:buChar char="•"/>
+            </a:pPr>
+            <a:r>
+              <a:rPr lang="en-US" sz="2000" b="1" i="0" dirty="0" err="1">
+                <a:solidFill>
+                  <a:srgbClr val="00B050"/>
+                </a:solidFill>
+                <a:effectLst/>
+                <a:latin typeface="Lato" panose="020F0502020204030203" pitchFamily="34" charset="0"/>
+              </a:rPr>
+              <a:t>Escenario</a:t>
+            </a:r>
+            <a:r>
+              <a:rPr lang="en-US" sz="2000" b="1" i="0" dirty="0">
+                <a:solidFill>
+                  <a:srgbClr val="00B050"/>
+                </a:solidFill>
+                <a:effectLst/>
+                <a:latin typeface="Lato" panose="020F0502020204030203" pitchFamily="34" charset="0"/>
+              </a:rPr>
+              <a:t> </a:t>
+            </a:r>
+            <a:r>
+              <a:rPr lang="en-US" sz="2000" b="1" i="0" dirty="0" err="1">
+                <a:solidFill>
+                  <a:srgbClr val="00B050"/>
+                </a:solidFill>
+                <a:effectLst/>
+                <a:latin typeface="Lato" panose="020F0502020204030203" pitchFamily="34" charset="0"/>
+              </a:rPr>
+              <a:t>conservador</a:t>
+            </a:r>
+            <a:r>
+              <a:rPr lang="en-US" sz="2000" b="1" i="0" dirty="0">
+                <a:solidFill>
+                  <a:srgbClr val="00B050"/>
+                </a:solidFill>
+                <a:effectLst/>
+                <a:latin typeface="Lato" panose="020F0502020204030203" pitchFamily="34" charset="0"/>
+              </a:rPr>
+              <a:t>: </a:t>
+            </a:r>
+            <a:r>
+              <a:rPr lang="en-US" sz="2000" b="0" i="0" dirty="0">
+                <a:solidFill>
+                  <a:srgbClr val="333333"/>
+                </a:solidFill>
+                <a:effectLst/>
+                <a:latin typeface="Lato" panose="020F0502020204030203" pitchFamily="34" charset="0"/>
+              </a:rPr>
+              <a:t>ROI </a:t>
+            </a:r>
+            <a:r>
+              <a:rPr lang="en-US" sz="2000" b="0" i="0" dirty="0" err="1">
+                <a:solidFill>
+                  <a:srgbClr val="333333"/>
+                </a:solidFill>
+                <a:effectLst/>
+                <a:latin typeface="Lato" panose="020F0502020204030203" pitchFamily="34" charset="0"/>
+              </a:rPr>
+              <a:t>ajustado</a:t>
+            </a:r>
+            <a:r>
+              <a:rPr lang="en-US" sz="2000" b="0" i="0" dirty="0">
+                <a:solidFill>
+                  <a:srgbClr val="333333"/>
+                </a:solidFill>
+                <a:effectLst/>
+                <a:latin typeface="Lato" panose="020F0502020204030203" pitchFamily="34" charset="0"/>
+              </a:rPr>
+              <a:t> a 7.7% a 3 meses.</a:t>
             </a:r>
           </a:p>
         </p:txBody>
